--- a/docs/diagrams/SortedListCommand6ListStateDiagram.pptx
+++ b/docs/diagrams/SortedListCommand6ListStateDiagram.pptx
@@ -261,7 +261,7 @@
           <a:p>
             <a:fld id="{03EC4E3E-8101-482F-A883-8B55DAFF7C07}" type="datetimeFigureOut">
               <a:rPr lang="en-SG" smtClean="0"/>
-              <a:t>16/10/18</a:t>
+              <a:t>8/11/18</a:t>
             </a:fld>
             <a:endParaRPr lang="en-SG"/>
           </a:p>
@@ -461,7 +461,7 @@
           <a:p>
             <a:fld id="{03EC4E3E-8101-482F-A883-8B55DAFF7C07}" type="datetimeFigureOut">
               <a:rPr lang="en-SG" smtClean="0"/>
-              <a:t>16/10/18</a:t>
+              <a:t>8/11/18</a:t>
             </a:fld>
             <a:endParaRPr lang="en-SG"/>
           </a:p>
@@ -671,7 +671,7 @@
           <a:p>
             <a:fld id="{03EC4E3E-8101-482F-A883-8B55DAFF7C07}" type="datetimeFigureOut">
               <a:rPr lang="en-SG" smtClean="0"/>
-              <a:t>16/10/18</a:t>
+              <a:t>8/11/18</a:t>
             </a:fld>
             <a:endParaRPr lang="en-SG"/>
           </a:p>
@@ -871,7 +871,7 @@
           <a:p>
             <a:fld id="{03EC4E3E-8101-482F-A883-8B55DAFF7C07}" type="datetimeFigureOut">
               <a:rPr lang="en-SG" smtClean="0"/>
-              <a:t>16/10/18</a:t>
+              <a:t>8/11/18</a:t>
             </a:fld>
             <a:endParaRPr lang="en-SG"/>
           </a:p>
@@ -1147,7 +1147,7 @@
           <a:p>
             <a:fld id="{03EC4E3E-8101-482F-A883-8B55DAFF7C07}" type="datetimeFigureOut">
               <a:rPr lang="en-SG" smtClean="0"/>
-              <a:t>16/10/18</a:t>
+              <a:t>8/11/18</a:t>
             </a:fld>
             <a:endParaRPr lang="en-SG"/>
           </a:p>
@@ -1415,7 +1415,7 @@
           <a:p>
             <a:fld id="{03EC4E3E-8101-482F-A883-8B55DAFF7C07}" type="datetimeFigureOut">
               <a:rPr lang="en-SG" smtClean="0"/>
-              <a:t>16/10/18</a:t>
+              <a:t>8/11/18</a:t>
             </a:fld>
             <a:endParaRPr lang="en-SG"/>
           </a:p>
@@ -1830,7 +1830,7 @@
           <a:p>
             <a:fld id="{03EC4E3E-8101-482F-A883-8B55DAFF7C07}" type="datetimeFigureOut">
               <a:rPr lang="en-SG" smtClean="0"/>
-              <a:t>16/10/18</a:t>
+              <a:t>8/11/18</a:t>
             </a:fld>
             <a:endParaRPr lang="en-SG"/>
           </a:p>
@@ -1972,7 +1972,7 @@
           <a:p>
             <a:fld id="{03EC4E3E-8101-482F-A883-8B55DAFF7C07}" type="datetimeFigureOut">
               <a:rPr lang="en-SG" smtClean="0"/>
-              <a:t>16/10/18</a:t>
+              <a:t>8/11/18</a:t>
             </a:fld>
             <a:endParaRPr lang="en-SG"/>
           </a:p>
@@ -2085,7 +2085,7 @@
           <a:p>
             <a:fld id="{03EC4E3E-8101-482F-A883-8B55DAFF7C07}" type="datetimeFigureOut">
               <a:rPr lang="en-SG" smtClean="0"/>
-              <a:t>16/10/18</a:t>
+              <a:t>8/11/18</a:t>
             </a:fld>
             <a:endParaRPr lang="en-SG"/>
           </a:p>
@@ -2398,7 +2398,7 @@
           <a:p>
             <a:fld id="{03EC4E3E-8101-482F-A883-8B55DAFF7C07}" type="datetimeFigureOut">
               <a:rPr lang="en-SG" smtClean="0"/>
-              <a:t>16/10/18</a:t>
+              <a:t>8/11/18</a:t>
             </a:fld>
             <a:endParaRPr lang="en-SG"/>
           </a:p>
@@ -2687,7 +2687,7 @@
           <a:p>
             <a:fld id="{03EC4E3E-8101-482F-A883-8B55DAFF7C07}" type="datetimeFigureOut">
               <a:rPr lang="en-SG" smtClean="0"/>
-              <a:t>16/10/18</a:t>
+              <a:t>8/11/18</a:t>
             </a:fld>
             <a:endParaRPr lang="en-SG"/>
           </a:p>
@@ -2930,7 +2930,7 @@
           <a:p>
             <a:fld id="{03EC4E3E-8101-482F-A883-8B55DAFF7C07}" type="datetimeFigureOut">
               <a:rPr lang="en-SG" smtClean="0"/>
-              <a:t>16/10/18</a:t>
+              <a:t>8/11/18</a:t>
             </a:fld>
             <a:endParaRPr lang="en-SG"/>
           </a:p>
@@ -3349,10 +3349,10 @@
       </p:grpSpPr>
       <p:graphicFrame>
         <p:nvGraphicFramePr>
-          <p:cNvPr id="17" name="Table 16">
-            <a:extLst>
-              <a:ext uri="{FF2B5EF4-FFF2-40B4-BE49-F238E27FC236}">
-                <a16:creationId xmlns:a16="http://schemas.microsoft.com/office/drawing/2014/main" id="{F545FAB8-F1CE-4886-9BDE-E772BCB0A9C4}"/>
+          <p:cNvPr id="11" name="Table 10">
+            <a:extLst>
+              <a:ext uri="{FF2B5EF4-FFF2-40B4-BE49-F238E27FC236}">
+                <a16:creationId xmlns:a16="http://schemas.microsoft.com/office/drawing/2014/main" id="{E45B5DD7-14F8-D041-9155-17F0A7FDB524}"/>
               </a:ext>
             </a:extLst>
           </p:cNvPr>
@@ -3362,13 +3362,13 @@
           <p:nvPr>
             <p:extLst>
               <p:ext uri="{D42A27DB-BD31-4B8C-83A1-F6EECF244321}">
-                <p14:modId xmlns:p14="http://schemas.microsoft.com/office/powerpoint/2010/main" val="4255854426"/>
+                <p14:modId xmlns:p14="http://schemas.microsoft.com/office/powerpoint/2010/main" val="1310802280"/>
               </p:ext>
             </p:extLst>
           </p:nvPr>
         </p:nvGraphicFramePr>
         <p:xfrm>
-          <a:off x="638040" y="3678567"/>
+          <a:off x="1362297" y="3592883"/>
           <a:ext cx="1438731" cy="417888"/>
         </p:xfrm>
         <a:graphic>
@@ -3417,10 +3417,10 @@
       </p:graphicFrame>
       <p:sp>
         <p:nvSpPr>
-          <p:cNvPr id="7" name="Rectangle 6">
-            <a:extLst>
-              <a:ext uri="{FF2B5EF4-FFF2-40B4-BE49-F238E27FC236}">
-                <a16:creationId xmlns:a16="http://schemas.microsoft.com/office/drawing/2014/main" id="{178DAF94-8485-F54E-9801-738F776B7CB3}"/>
+          <p:cNvPr id="13" name="Rectangle 12">
+            <a:extLst>
+              <a:ext uri="{FF2B5EF4-FFF2-40B4-BE49-F238E27FC236}">
+                <a16:creationId xmlns:a16="http://schemas.microsoft.com/office/drawing/2014/main" id="{1C4B8ED3-CAD4-1A42-A5F3-65B602C52771}"/>
               </a:ext>
             </a:extLst>
           </p:cNvPr>
@@ -3429,8 +3429,8 @@
         </p:nvSpPr>
         <p:spPr>
           <a:xfrm>
-            <a:off x="529554" y="557862"/>
-            <a:ext cx="11364686" cy="618187"/>
+            <a:off x="1253811" y="1142738"/>
+            <a:ext cx="9391686" cy="618187"/>
           </a:xfrm>
           <a:prstGeom prst="rect">
             <a:avLst/>
@@ -3469,10 +3469,10 @@
       </p:sp>
       <p:sp>
         <p:nvSpPr>
-          <p:cNvPr id="3" name="Down Arrow 2">
-            <a:extLst>
-              <a:ext uri="{FF2B5EF4-FFF2-40B4-BE49-F238E27FC236}">
-                <a16:creationId xmlns:a16="http://schemas.microsoft.com/office/drawing/2014/main" id="{32E0F71A-E3F7-2349-BB8F-DFAB9A2B3CCD}"/>
+          <p:cNvPr id="14" name="Down Arrow 13">
+            <a:extLst>
+              <a:ext uri="{FF2B5EF4-FFF2-40B4-BE49-F238E27FC236}">
+                <a16:creationId xmlns:a16="http://schemas.microsoft.com/office/drawing/2014/main" id="{969CF0A0-475E-AB4E-A636-7A150DE3072C}"/>
               </a:ext>
             </a:extLst>
           </p:cNvPr>
@@ -3481,7 +3481,7 @@
         </p:nvSpPr>
         <p:spPr>
           <a:xfrm>
-            <a:off x="5249540" y="1602707"/>
+            <a:off x="4621567" y="1860296"/>
             <a:ext cx="1989460" cy="1549831"/>
           </a:xfrm>
           <a:prstGeom prst="downArrow">
@@ -3518,10 +3518,10 @@
       </p:sp>
       <p:sp>
         <p:nvSpPr>
-          <p:cNvPr id="9" name="Rectangle 8">
-            <a:extLst>
-              <a:ext uri="{FF2B5EF4-FFF2-40B4-BE49-F238E27FC236}">
-                <a16:creationId xmlns:a16="http://schemas.microsoft.com/office/drawing/2014/main" id="{3111C0ED-D4B6-FF40-8A3A-B2F13D011E28}"/>
+          <p:cNvPr id="15" name="Rectangle 14">
+            <a:extLst>
+              <a:ext uri="{FF2B5EF4-FFF2-40B4-BE49-F238E27FC236}">
+                <a16:creationId xmlns:a16="http://schemas.microsoft.com/office/drawing/2014/main" id="{6EB1A4D9-1842-7548-A250-E6EF61A980D0}"/>
               </a:ext>
             </a:extLst>
           </p:cNvPr>
@@ -3530,8 +3530,8 @@
         </p:nvSpPr>
         <p:spPr>
           <a:xfrm>
-            <a:off x="529554" y="3579196"/>
-            <a:ext cx="11364686" cy="618187"/>
+            <a:off x="1253811" y="3493512"/>
+            <a:ext cx="9391686" cy="618187"/>
           </a:xfrm>
           <a:prstGeom prst="rect">
             <a:avLst/>
@@ -3570,10 +3570,10 @@
       </p:sp>
       <p:graphicFrame>
         <p:nvGraphicFramePr>
-          <p:cNvPr id="8" name="Table 7">
-            <a:extLst>
-              <a:ext uri="{FF2B5EF4-FFF2-40B4-BE49-F238E27FC236}">
-                <a16:creationId xmlns:a16="http://schemas.microsoft.com/office/drawing/2014/main" id="{AF361D62-8B61-9342-AE2C-9700DE00ED93}"/>
+          <p:cNvPr id="18" name="Table 17">
+            <a:extLst>
+              <a:ext uri="{FF2B5EF4-FFF2-40B4-BE49-F238E27FC236}">
+                <a16:creationId xmlns:a16="http://schemas.microsoft.com/office/drawing/2014/main" id="{75FFEC23-1001-C04B-95FA-19E594B4164C}"/>
               </a:ext>
             </a:extLst>
           </p:cNvPr>
@@ -3583,13 +3583,81 @@
           <p:nvPr>
             <p:extLst>
               <p:ext uri="{D42A27DB-BD31-4B8C-83A1-F6EECF244321}">
-                <p14:modId xmlns:p14="http://schemas.microsoft.com/office/powerpoint/2010/main" val="1786246041"/>
+                <p14:modId xmlns:p14="http://schemas.microsoft.com/office/powerpoint/2010/main" val="3435540696"/>
               </p:ext>
             </p:extLst>
           </p:nvPr>
         </p:nvGraphicFramePr>
         <p:xfrm>
-          <a:off x="2417762" y="3678567"/>
+          <a:off x="1362297" y="1245517"/>
+          <a:ext cx="1438731" cy="417888"/>
+        </p:xfrm>
+        <a:graphic>
+          <a:graphicData uri="http://schemas.openxmlformats.org/drawingml/2006/table">
+            <a:tbl>
+              <a:tblPr>
+                <a:tableStyleId>{638B1855-1B75-4FBE-930C-398BA8C253C6}</a:tableStyleId>
+              </a:tblPr>
+              <a:tblGrid>
+                <a:gridCol w="1438731">
+                  <a:extLst>
+                    <a:ext uri="{9D8B030D-6E8A-4147-A177-3AD203B41FA5}">
+                      <a16:colId xmlns:a16="http://schemas.microsoft.com/office/drawing/2014/main" val="4240773277"/>
+                    </a:ext>
+                  </a:extLst>
+                </a:gridCol>
+              </a:tblGrid>
+              <a:tr h="417888">
+                <a:tc>
+                  <a:txBody>
+                    <a:bodyPr/>
+                    <a:lstStyle/>
+                    <a:p>
+                      <a:r>
+                        <a:rPr lang="en-SG" u="sng" dirty="0" err="1"/>
+                        <a:t>Aaron:</a:t>
+                      </a:r>
+                      <a:r>
+                        <a:rPr lang="en-SG" sz="1800" u="sng" dirty="0" err="1"/>
+                        <a:t>Person</a:t>
+                      </a:r>
+                      <a:endParaRPr lang="en-SG" sz="1600" u="sng" dirty="0"/>
+                    </a:p>
+                  </a:txBody>
+                  <a:tcPr/>
+                </a:tc>
+                <a:extLst>
+                  <a:ext uri="{0D108BD9-81ED-4DB2-BD59-A6C34878D82A}">
+                    <a16:rowId xmlns:a16="http://schemas.microsoft.com/office/drawing/2014/main" val="2194462629"/>
+                  </a:ext>
+                </a:extLst>
+              </a:tr>
+            </a:tbl>
+          </a:graphicData>
+        </a:graphic>
+      </p:graphicFrame>
+      <p:graphicFrame>
+        <p:nvGraphicFramePr>
+          <p:cNvPr id="19" name="Table 18">
+            <a:extLst>
+              <a:ext uri="{FF2B5EF4-FFF2-40B4-BE49-F238E27FC236}">
+                <a16:creationId xmlns:a16="http://schemas.microsoft.com/office/drawing/2014/main" id="{9FAC69CF-9B21-6B42-A780-9258B54013F2}"/>
+              </a:ext>
+            </a:extLst>
+          </p:cNvPr>
+          <p:cNvGraphicFramePr>
+            <a:graphicFrameLocks noGrp="1"/>
+          </p:cNvGraphicFramePr>
+          <p:nvPr>
+            <p:extLst>
+              <p:ext uri="{D42A27DB-BD31-4B8C-83A1-F6EECF244321}">
+                <p14:modId xmlns:p14="http://schemas.microsoft.com/office/powerpoint/2010/main" val="2651998986"/>
+              </p:ext>
+            </p:extLst>
+          </p:nvPr>
+        </p:nvGraphicFramePr>
+        <p:xfrm>
+          <a:off x="3182836" y="1251589"/>
           <a:ext cx="1438731" cy="417888"/>
         </p:xfrm>
         <a:graphic>
@@ -3638,10 +3706,10 @@
       </p:graphicFrame>
       <p:graphicFrame>
         <p:nvGraphicFramePr>
-          <p:cNvPr id="10" name="Table 9">
-            <a:extLst>
-              <a:ext uri="{FF2B5EF4-FFF2-40B4-BE49-F238E27FC236}">
-                <a16:creationId xmlns:a16="http://schemas.microsoft.com/office/drawing/2014/main" id="{E95B8938-B6DA-9B48-9FAB-41ECBDDAAA11}"/>
+          <p:cNvPr id="20" name="Table 19">
+            <a:extLst>
+              <a:ext uri="{FF2B5EF4-FFF2-40B4-BE49-F238E27FC236}">
+                <a16:creationId xmlns:a16="http://schemas.microsoft.com/office/drawing/2014/main" id="{182BEE4F-6376-D746-9699-198AF93779EB}"/>
               </a:ext>
             </a:extLst>
           </p:cNvPr>
@@ -3651,81 +3719,13 @@
           <p:nvPr>
             <p:extLst>
               <p:ext uri="{D42A27DB-BD31-4B8C-83A1-F6EECF244321}">
-                <p14:modId xmlns:p14="http://schemas.microsoft.com/office/powerpoint/2010/main" val="3972201091"/>
+                <p14:modId xmlns:p14="http://schemas.microsoft.com/office/powerpoint/2010/main" val="1687603314"/>
               </p:ext>
             </p:extLst>
           </p:nvPr>
         </p:nvGraphicFramePr>
         <p:xfrm>
-          <a:off x="638040" y="660641"/>
-          <a:ext cx="1438731" cy="417888"/>
-        </p:xfrm>
-        <a:graphic>
-          <a:graphicData uri="http://schemas.openxmlformats.org/drawingml/2006/table">
-            <a:tbl>
-              <a:tblPr>
-                <a:tableStyleId>{638B1855-1B75-4FBE-930C-398BA8C253C6}</a:tableStyleId>
-              </a:tblPr>
-              <a:tblGrid>
-                <a:gridCol w="1438731">
-                  <a:extLst>
-                    <a:ext uri="{9D8B030D-6E8A-4147-A177-3AD203B41FA5}">
-                      <a16:colId xmlns:a16="http://schemas.microsoft.com/office/drawing/2014/main" val="4240773277"/>
-                    </a:ext>
-                  </a:extLst>
-                </a:gridCol>
-              </a:tblGrid>
-              <a:tr h="417888">
-                <a:tc>
-                  <a:txBody>
-                    <a:bodyPr/>
-                    <a:lstStyle/>
-                    <a:p>
-                      <a:r>
-                        <a:rPr lang="en-SG" u="sng" dirty="0" err="1"/>
-                        <a:t>Aaron:</a:t>
-                      </a:r>
-                      <a:r>
-                        <a:rPr lang="en-SG" sz="1800" u="sng" dirty="0" err="1"/>
-                        <a:t>Person</a:t>
-                      </a:r>
-                      <a:endParaRPr lang="en-SG" sz="1600" u="sng" dirty="0"/>
-                    </a:p>
-                  </a:txBody>
-                  <a:tcPr/>
-                </a:tc>
-                <a:extLst>
-                  <a:ext uri="{0D108BD9-81ED-4DB2-BD59-A6C34878D82A}">
-                    <a16:rowId xmlns:a16="http://schemas.microsoft.com/office/drawing/2014/main" val="2194462629"/>
-                  </a:ext>
-                </a:extLst>
-              </a:tr>
-            </a:tbl>
-          </a:graphicData>
-        </a:graphic>
-      </p:graphicFrame>
-      <p:graphicFrame>
-        <p:nvGraphicFramePr>
-          <p:cNvPr id="12" name="Table 11">
-            <a:extLst>
-              <a:ext uri="{FF2B5EF4-FFF2-40B4-BE49-F238E27FC236}">
-                <a16:creationId xmlns:a16="http://schemas.microsoft.com/office/drawing/2014/main" id="{EA846052-5403-2B4D-9CB6-72ECEC2595C2}"/>
-              </a:ext>
-            </a:extLst>
-          </p:cNvPr>
-          <p:cNvGraphicFramePr>
-            <a:graphicFrameLocks noGrp="1"/>
-          </p:cNvGraphicFramePr>
-          <p:nvPr>
-            <p:extLst>
-              <p:ext uri="{D42A27DB-BD31-4B8C-83A1-F6EECF244321}">
-                <p14:modId xmlns:p14="http://schemas.microsoft.com/office/powerpoint/2010/main" val="1560613687"/>
-              </p:ext>
-            </p:extLst>
-          </p:nvPr>
-        </p:nvGraphicFramePr>
-        <p:xfrm>
-          <a:off x="2417761" y="660641"/>
+          <a:off x="3182836" y="3592883"/>
           <a:ext cx="1438731" cy="417888"/>
         </p:xfrm>
         <a:graphic>
@@ -3772,6 +3772,56 @@
           </a:graphicData>
         </a:graphic>
       </p:graphicFrame>
+      <p:sp>
+        <p:nvSpPr>
+          <p:cNvPr id="21" name="Rectangle 20">
+            <a:extLst>
+              <a:ext uri="{FF2B5EF4-FFF2-40B4-BE49-F238E27FC236}">
+                <a16:creationId xmlns:a16="http://schemas.microsoft.com/office/drawing/2014/main" id="{4B890E08-8772-A34D-BC1E-AD4A0C29D907}"/>
+              </a:ext>
+            </a:extLst>
+          </p:cNvPr>
+          <p:cNvSpPr/>
+          <p:nvPr/>
+        </p:nvSpPr>
+        <p:spPr>
+          <a:xfrm>
+            <a:off x="1110954" y="996911"/>
+            <a:ext cx="9677400" cy="3276600"/>
+          </a:xfrm>
+          <a:prstGeom prst="rect">
+            <a:avLst/>
+          </a:prstGeom>
+          <a:noFill/>
+          <a:ln>
+            <a:noFill/>
+          </a:ln>
+        </p:spPr>
+        <p:style>
+          <a:lnRef idx="2">
+            <a:schemeClr val="accent1">
+              <a:shade val="50000"/>
+            </a:schemeClr>
+          </a:lnRef>
+          <a:fillRef idx="1">
+            <a:schemeClr val="accent1"/>
+          </a:fillRef>
+          <a:effectRef idx="0">
+            <a:schemeClr val="accent1"/>
+          </a:effectRef>
+          <a:fontRef idx="minor">
+            <a:schemeClr val="lt1"/>
+          </a:fontRef>
+        </p:style>
+        <p:txBody>
+          <a:bodyPr rtlCol="0" anchor="ctr"/>
+          <a:lstStyle/>
+          <a:p>
+            <a:pPr algn="ctr"/>
+            <a:endParaRPr lang="en-US"/>
+          </a:p>
+        </p:txBody>
+      </p:sp>
     </p:spTree>
     <p:extLst>
       <p:ext uri="{BB962C8B-B14F-4D97-AF65-F5344CB8AC3E}">
